--- a/lessons/19_AppServers_Servlets_SpringMVC/Spring Web MCV framework.all.pptx
+++ b/lessons/19_AppServers_Servlets_SpringMVC/Spring Web MCV framework.all.pptx
@@ -268,7 +268,7 @@
           <a:p>
             <a:fld id="{67128AFA-2B04-4CF2-A280-3CACFA02DCDA}" type="datetimeFigureOut">
               <a:rPr lang="ru-RU" smtClean="0"/>
-              <a:t>25.03.2018</a:t>
+              <a:t>26.03.2018</a:t>
             </a:fld>
             <a:endParaRPr lang="ru-RU"/>
           </a:p>
@@ -433,7 +433,7 @@
           <a:p>
             <a:fld id="{4AAD82F9-BEBE-4E06-81EB-AA847F9B1290}" type="datetimeFigureOut">
               <a:rPr lang="ru-RU" smtClean="0"/>
-              <a:t>25.03.2018</a:t>
+              <a:t>26.03.2018</a:t>
             </a:fld>
             <a:endParaRPr lang="ru-RU"/>
           </a:p>
@@ -12527,11 +12527,7 @@
             </a:pPr>
             <a:r>
               <a:rPr lang="ru-RU" sz="2400" dirty="0" smtClean="0"/>
-              <a:t>использования информации, содержащейся в них</a:t>
-            </a:r>
-            <a:r>
-              <a:rPr lang="ru-RU" sz="2400" dirty="0" smtClean="0"/>
-              <a:t>.</a:t>
+              <a:t>использования информации, содержащейся в них.</a:t>
             </a:r>
             <a:endParaRPr lang="ru-RU" sz="2400" dirty="0"/>
           </a:p>
@@ -12597,11 +12593,7 @@
             </a:pPr>
             <a:r>
               <a:rPr lang="ru-RU" sz="2400" dirty="0" smtClean="0"/>
-              <a:t>языковая </a:t>
-            </a:r>
-            <a:r>
-              <a:rPr lang="ru-RU" sz="2400" dirty="0" smtClean="0"/>
-              <a:t>локализация.</a:t>
+              <a:t>языковая локализация.</a:t>
             </a:r>
           </a:p>
           <a:p>
@@ -12690,7 +12682,7 @@
         <p:spPr>
           <a:xfrm>
             <a:off x="107504" y="699542"/>
-            <a:ext cx="8928992" cy="3293209"/>
+            <a:ext cx="8928992" cy="3785652"/>
           </a:xfrm>
           <a:prstGeom prst="rect">
             <a:avLst/>
@@ -12703,7 +12695,11 @@
           </a:bodyPr>
           <a:lstStyle/>
           <a:p>
-            <a:pPr algn="just"/>
+            <a:pPr algn="just">
+              <a:lnSpc>
+                <a:spcPct val="150000"/>
+              </a:lnSpc>
+            </a:pPr>
             <a:r>
               <a:rPr lang="ru-RU" sz="2400" dirty="0" smtClean="0"/>
               <a:t>Позволяют отслеживать ключевые события </a:t>
@@ -12719,21 +12715,27 @@
             <a:endParaRPr lang="en-US" sz="2400" dirty="0" smtClean="0"/>
           </a:p>
           <a:p>
-            <a:pPr algn="just"/>
-            <a:endParaRPr lang="en-US" sz="2400" dirty="0"/>
-          </a:p>
-          <a:p>
             <a:pPr marL="342900" indent="-342900" algn="just">
+              <a:lnSpc>
+                <a:spcPct val="150000"/>
+              </a:lnSpc>
               <a:buFont typeface="Arial" panose="020B0604020202020204" pitchFamily="34" charset="0"/>
               <a:buChar char="•"/>
             </a:pPr>
             <a:r>
               <a:rPr lang="ru-RU" sz="2400" dirty="0" smtClean="0"/>
-              <a:t>События контекста сервлета (уровень приложения):</a:t>
+              <a:t>События </a:t>
+            </a:r>
+            <a:r>
+              <a:rPr lang="ru-RU" sz="2400" dirty="0" smtClean="0"/>
+              <a:t>контекста сервлета (уровень приложения):</a:t>
             </a:r>
           </a:p>
           <a:p>
             <a:pPr marL="800100" lvl="1" indent="-342900" algn="just">
+              <a:lnSpc>
+                <a:spcPct val="150000"/>
+              </a:lnSpc>
               <a:buFont typeface="Courier New" panose="02070309020205020404" pitchFamily="49" charset="0"/>
               <a:buChar char="o"/>
             </a:pPr>
@@ -12744,6 +12746,9 @@
           </a:p>
           <a:p>
             <a:pPr marL="800100" lvl="1" indent="-342900" algn="just">
+              <a:lnSpc>
+                <a:spcPct val="150000"/>
+              </a:lnSpc>
               <a:buFont typeface="Courier New" panose="02070309020205020404" pitchFamily="49" charset="0"/>
               <a:buChar char="o"/>
             </a:pPr>
@@ -12751,19 +12756,16 @@
               <a:rPr lang="ru-RU" sz="2200" dirty="0" smtClean="0"/>
               <a:t>добавлен / удалён / заменён атрибут контекста. </a:t>
             </a:r>
+            <a:endParaRPr lang="ru-RU" sz="2400" dirty="0" smtClean="0"/>
           </a:p>
           <a:p>
             <a:pPr marL="342900" indent="-342900" algn="just">
+              <a:lnSpc>
+                <a:spcPct val="150000"/>
+              </a:lnSpc>
               <a:buFont typeface="Arial" panose="020B0604020202020204" pitchFamily="34" charset="0"/>
               <a:buChar char="•"/>
             </a:pPr>
-            <a:endParaRPr lang="ru-RU" sz="2400" dirty="0" smtClean="0"/>
-          </a:p>
-          <a:p>
-            <a:pPr marL="342900" indent="-342900" algn="just">
-              <a:buFont typeface="Arial" panose="020B0604020202020204" pitchFamily="34" charset="0"/>
-              <a:buChar char="•"/>
-            </a:pPr>
             <a:r>
               <a:rPr lang="ru-RU" sz="2400" dirty="0" smtClean="0"/>
               <a:t>События </a:t>
@@ -12779,6 +12781,9 @@
           </a:p>
           <a:p>
             <a:pPr marL="800100" lvl="1" indent="-342900" algn="just">
+              <a:lnSpc>
+                <a:spcPct val="150000"/>
+              </a:lnSpc>
               <a:buFont typeface="Courier New" panose="02070309020205020404" pitchFamily="49" charset="0"/>
               <a:buChar char="o"/>
             </a:pPr>
@@ -12797,6 +12802,9 @@
           </a:p>
           <a:p>
             <a:pPr marL="800100" lvl="1" indent="-342900" algn="just">
+              <a:lnSpc>
+                <a:spcPct val="150000"/>
+              </a:lnSpc>
               <a:buFont typeface="Courier New" panose="02070309020205020404" pitchFamily="49" charset="0"/>
               <a:buChar char="o"/>
             </a:pPr>
@@ -12889,7 +12897,7 @@
         <p:spPr>
           <a:xfrm>
             <a:off x="107504" y="699542"/>
-            <a:ext cx="5328592" cy="1938992"/>
+            <a:ext cx="5328592" cy="2805063"/>
           </a:xfrm>
           <a:prstGeom prst="rect">
             <a:avLst/>
@@ -12902,6 +12910,9 @@
           <a:lstStyle/>
           <a:p>
             <a:pPr marL="0" lvl="8">
+              <a:lnSpc>
+                <a:spcPct val="150000"/>
+              </a:lnSpc>
               <a:buClr>
                 <a:schemeClr val="accent3">
                   <a:lumMod val="50000"/>
@@ -13120,13 +13131,8 @@
             </a:r>
             <a:r>
               <a:rPr lang="ru-RU" sz="2400" kern="0" dirty="0" smtClean="0"/>
-              <a:t>приложений</a:t>
-            </a:r>
-            <a:r>
-              <a:rPr lang="ru-RU" sz="2400" kern="0" dirty="0" smtClean="0"/>
-              <a:t>.</a:t>
-            </a:r>
-            <a:endParaRPr lang="ru-RU" sz="2400" kern="0" dirty="0" smtClean="0"/>
+              <a:t>приложений.</a:t>
+            </a:r>
           </a:p>
           <a:p>
             <a:pPr marL="342900" lvl="8" indent="-342900" algn="just">
@@ -13167,11 +13173,7 @@
             </a:r>
             <a:r>
               <a:rPr lang="en-US" sz="2400" kern="0" dirty="0" smtClean="0"/>
-              <a:t> framework</a:t>
-            </a:r>
-            <a:r>
-              <a:rPr lang="en-US" sz="2400" kern="0" dirty="0" smtClean="0"/>
-              <a:t>.</a:t>
+              <a:t> framework.</a:t>
             </a:r>
             <a:endParaRPr lang="en-US" sz="2400" kern="0" dirty="0"/>
           </a:p>
@@ -13289,7 +13291,7 @@
         <p:spPr>
           <a:xfrm>
             <a:off x="115764" y="689968"/>
-            <a:ext cx="8928992" cy="2251065"/>
+            <a:ext cx="8928992" cy="3416320"/>
           </a:xfrm>
           <a:prstGeom prst="rect">
             <a:avLst/>
@@ -13329,7 +13331,6 @@
               <a:rPr lang="ru-RU" sz="2400" kern="0" dirty="0" smtClean="0"/>
               <a:t>.</a:t>
             </a:r>
-            <a:endParaRPr lang="ru-RU" sz="2400" kern="0" dirty="0" smtClean="0"/>
           </a:p>
           <a:p>
             <a:pPr marL="457200" lvl="8" indent="-457200" algn="just">
@@ -13345,34 +13346,18 @@
               <a:buChar char="•"/>
             </a:pPr>
             <a:r>
-              <a:rPr lang="ru-RU" sz="2400" kern="0" dirty="0" smtClean="0">
-                <a:solidFill>
-                  <a:sysClr val="windowText" lastClr="000000"/>
-                </a:solidFill>
-              </a:rPr>
-              <a:t>Напишем свой </a:t>
-            </a:r>
-            <a:r>
-              <a:rPr lang="ru-RU" sz="2400" kern="0" dirty="0" err="1" smtClean="0">
-                <a:solidFill>
-                  <a:sysClr val="windowText" lastClr="000000"/>
-                </a:solidFill>
-              </a:rPr>
-              <a:t>сервлет</a:t>
-            </a:r>
-            <a:r>
-              <a:rPr lang="ru-RU" sz="2400" kern="0" dirty="0" smtClean="0">
-                <a:solidFill>
-                  <a:sysClr val="windowText" lastClr="000000"/>
-                </a:solidFill>
-              </a:rPr>
-              <a:t>.</a:t>
-            </a:r>
-            <a:endParaRPr lang="ru-RU" sz="2400" kern="0" dirty="0" smtClean="0">
-              <a:solidFill>
-                <a:sysClr val="windowText" lastClr="000000"/>
-              </a:solidFill>
-            </a:endParaRPr>
+              <a:rPr lang="ru-RU" sz="2400" kern="0" dirty="0" smtClean="0"/>
+              <a:t>А ещё что такое </a:t>
+            </a:r>
+            <a:r>
+              <a:rPr lang="ru-RU" sz="2400" kern="0" dirty="0" err="1" smtClean="0"/>
+              <a:t>сервлеты</a:t>
+            </a:r>
+            <a:r>
+              <a:rPr lang="ru-RU" sz="2400" kern="0" dirty="0" smtClean="0"/>
+              <a:t>, фильтры и слушатели.</a:t>
+            </a:r>
+            <a:endParaRPr lang="ru-RU" sz="2400" kern="0" dirty="0" smtClean="0"/>
           </a:p>
           <a:p>
             <a:pPr marL="457200" lvl="8" indent="-457200" algn="just">
@@ -13393,6 +13378,73 @@
                   <a:sysClr val="windowText" lastClr="000000"/>
                 </a:solidFill>
               </a:rPr>
+              <a:t>Напишем свой </a:t>
+            </a:r>
+            <a:r>
+              <a:rPr lang="ru-RU" sz="2400" kern="0" dirty="0" err="1" smtClean="0">
+                <a:solidFill>
+                  <a:sysClr val="windowText" lastClr="000000"/>
+                </a:solidFill>
+              </a:rPr>
+              <a:t>сервлет</a:t>
+            </a:r>
+            <a:r>
+              <a:rPr lang="ru-RU" sz="2400" kern="0" dirty="0" smtClean="0">
+                <a:solidFill>
+                  <a:sysClr val="windowText" lastClr="000000"/>
+                </a:solidFill>
+              </a:rPr>
+              <a:t>.</a:t>
+            </a:r>
+            <a:r>
+              <a:rPr lang="en-US" sz="2400" kern="0" dirty="0" smtClean="0">
+                <a:solidFill>
+                  <a:sysClr val="windowText" lastClr="000000"/>
+                </a:solidFill>
+              </a:rPr>
+              <a:t> (</a:t>
+            </a:r>
+            <a:r>
+              <a:rPr lang="ru-RU" sz="2400" kern="0" dirty="0" smtClean="0">
+                <a:solidFill>
+                  <a:sysClr val="windowText" lastClr="000000"/>
+                </a:solidFill>
+              </a:rPr>
+              <a:t>если не забудем</a:t>
+            </a:r>
+            <a:r>
+              <a:rPr lang="en-US" sz="2400" kern="0" dirty="0" smtClean="0">
+                <a:solidFill>
+                  <a:sysClr val="windowText" lastClr="000000"/>
+                </a:solidFill>
+              </a:rPr>
+              <a:t>)</a:t>
+            </a:r>
+            <a:endParaRPr lang="ru-RU" sz="2400" kern="0" dirty="0" smtClean="0">
+              <a:solidFill>
+                <a:sysClr val="windowText" lastClr="000000"/>
+              </a:solidFill>
+            </a:endParaRPr>
+          </a:p>
+          <a:p>
+            <a:pPr marL="457200" lvl="8" indent="-457200" algn="just">
+              <a:lnSpc>
+                <a:spcPct val="150000"/>
+              </a:lnSpc>
+              <a:buClr>
+                <a:schemeClr val="accent3">
+                  <a:lumMod val="50000"/>
+                </a:schemeClr>
+              </a:buClr>
+              <a:buFont typeface="Arial" panose="020B0604020202020204" pitchFamily="34" charset="0"/>
+              <a:buChar char="•"/>
+            </a:pPr>
+            <a:r>
+              <a:rPr lang="ru-RU" sz="2400" kern="0" dirty="0" smtClean="0">
+                <a:solidFill>
+                  <a:sysClr val="windowText" lastClr="000000"/>
+                </a:solidFill>
+              </a:rPr>
               <a:t>Реализуем небольшое приложение, обрабатывающее </a:t>
             </a:r>
             <a:r>
@@ -13417,7 +13469,66 @@
                   <a:sysClr val="windowText" lastClr="000000"/>
                 </a:solidFill>
               </a:rPr>
-              <a:t>Spring Web MVC framework.</a:t>
+              <a:t>Spring Web MVC framework</a:t>
+            </a:r>
+            <a:r>
+              <a:rPr lang="en-US" sz="2400" kern="0" dirty="0" smtClean="0">
+                <a:solidFill>
+                  <a:sysClr val="windowText" lastClr="000000"/>
+                </a:solidFill>
+              </a:rPr>
+              <a:t>.</a:t>
+            </a:r>
+            <a:endParaRPr lang="ru-RU" sz="2400" kern="0" dirty="0" smtClean="0">
+              <a:solidFill>
+                <a:sysClr val="windowText" lastClr="000000"/>
+              </a:solidFill>
+            </a:endParaRPr>
+          </a:p>
+          <a:p>
+            <a:pPr marL="457200" lvl="8" indent="-457200" algn="just">
+              <a:lnSpc>
+                <a:spcPct val="150000"/>
+              </a:lnSpc>
+              <a:buClr>
+                <a:schemeClr val="accent3">
+                  <a:lumMod val="50000"/>
+                </a:schemeClr>
+              </a:buClr>
+              <a:buFont typeface="Arial" panose="020B0604020202020204" pitchFamily="34" charset="0"/>
+              <a:buChar char="•"/>
+            </a:pPr>
+            <a:r>
+              <a:rPr lang="ru-RU" sz="2400" kern="0" dirty="0" smtClean="0">
+                <a:solidFill>
+                  <a:sysClr val="windowText" lastClr="000000"/>
+                </a:solidFill>
+              </a:rPr>
+              <a:t>Скомпонуем </a:t>
+            </a:r>
+            <a:r>
+              <a:rPr lang="en-US" sz="2400" kern="0" dirty="0" smtClean="0">
+                <a:solidFill>
+                  <a:sysClr val="windowText" lastClr="000000"/>
+                </a:solidFill>
+              </a:rPr>
+              <a:t>Spring MVC </a:t>
+            </a:r>
+            <a:r>
+              <a:rPr lang="ru-RU" sz="2400" kern="0" dirty="0" smtClean="0">
+                <a:solidFill>
+                  <a:sysClr val="windowText" lastClr="000000"/>
+                </a:solidFill>
+              </a:rPr>
+              <a:t>и </a:t>
+            </a:r>
+            <a:r>
+              <a:rPr lang="en-US" sz="2400" kern="0" dirty="0" smtClean="0">
+                <a:solidFill>
+                  <a:sysClr val="windowText" lastClr="000000"/>
+                </a:solidFill>
+              </a:rPr>
+              <a:t>Hibernate (Spring Data)</a:t>
             </a:r>
             <a:endParaRPr lang="en-US" sz="2400" kern="0" dirty="0">
               <a:solidFill>
@@ -15494,11 +15605,7 @@
           <a:p>
             <a:r>
               <a:rPr lang="en-US" sz="2800" dirty="0" smtClean="0"/>
-              <a:t>@</a:t>
-            </a:r>
-            <a:r>
-              <a:rPr lang="en-US" sz="2800" dirty="0" smtClean="0"/>
-              <a:t>C</a:t>
+              <a:t>@C</a:t>
             </a:r>
             <a:r>
               <a:rPr lang="en-US" sz="2800" cap="none" dirty="0" smtClean="0"/>
@@ -15565,11 +15672,7 @@
             </a:r>
             <a:r>
               <a:rPr lang="ru-RU" sz="2400" kern="0" dirty="0" smtClean="0"/>
-              <a:t>казывается </a:t>
-            </a:r>
-            <a:r>
-              <a:rPr lang="ru-RU" sz="2400" kern="0" dirty="0" smtClean="0"/>
-              <a:t>на классе. Является индикатором того, что класс выполняет роль контроллера.</a:t>
+              <a:t>казывается на классе. Является индикатором того, что класс выполняет роль контроллера.</a:t>
             </a:r>
           </a:p>
           <a:p>
@@ -15749,13 +15852,8 @@
             </a:r>
             <a:r>
               <a:rPr lang="ru-RU" sz="2400" kern="0" dirty="0" smtClean="0"/>
-              <a:t>запрос с обработчиком</a:t>
-            </a:r>
-            <a:r>
-              <a:rPr lang="ru-RU" sz="2400" kern="0" dirty="0" smtClean="0"/>
-              <a:t>.</a:t>
-            </a:r>
-            <a:endParaRPr lang="ru-RU" sz="2400" kern="0" dirty="0" smtClean="0"/>
+              <a:t>запрос с обработчиком.</a:t>
+            </a:r>
           </a:p>
           <a:p>
             <a:pPr marL="0" lvl="8">
@@ -16994,11 +17092,7 @@
             </a:r>
             <a:r>
               <a:rPr lang="ru-RU" sz="2400" dirty="0" smtClean="0"/>
-              <a:t>. Например</a:t>
-            </a:r>
-            <a:r>
-              <a:rPr lang="ru-RU" sz="2400" dirty="0" smtClean="0"/>
-              <a:t>:</a:t>
+              <a:t>. Например:</a:t>
             </a:r>
           </a:p>
           <a:p>
@@ -18261,11 +18355,7 @@
             </a:r>
             <a:r>
               <a:rPr lang="ru-RU" sz="2200" kern="0" dirty="0" smtClean="0"/>
-              <a:t>– компонентная </a:t>
-            </a:r>
-            <a:r>
-              <a:rPr lang="ru-RU" sz="2200" kern="0" dirty="0" smtClean="0"/>
-              <a:t>программная платформа, предоставляющая среду для исполнения приложений.</a:t>
+              <a:t>– компонентная программная платформа, предоставляющая среду для исполнения приложений.</a:t>
             </a:r>
             <a:endParaRPr lang="en-US" sz="2200" kern="0" dirty="0" smtClean="0"/>
           </a:p>
@@ -25283,11 +25373,7 @@
             </a:r>
             <a:r>
               <a:rPr lang="ru-RU" sz="2200" dirty="0" smtClean="0"/>
-              <a:t> </a:t>
-            </a:r>
-            <a:r>
-              <a:rPr lang="ru-RU" sz="2200" dirty="0" smtClean="0"/>
-              <a:t>/ </a:t>
+              <a:t> / </a:t>
             </a:r>
             <a:r>
               <a:rPr lang="en-US" sz="2200" b="1" dirty="0" err="1" smtClean="0">
@@ -26597,7 +26683,6 @@
               <a:rPr lang="ru-RU" sz="2400" kern="0" dirty="0" smtClean="0"/>
               <a:t>.</a:t>
             </a:r>
-            <a:endParaRPr lang="ru-RU" sz="2400" kern="0" dirty="0" smtClean="0"/>
           </a:p>
           <a:p>
             <a:pPr marL="0" lvl="8" algn="just">
@@ -26612,11 +26697,7 @@
             </a:pPr>
             <a:r>
               <a:rPr lang="ru-RU" sz="2400" kern="0" dirty="0" smtClean="0"/>
-              <a:t>Для </a:t>
-            </a:r>
-            <a:r>
-              <a:rPr lang="ru-RU" sz="2400" kern="0" dirty="0" smtClean="0"/>
-              <a:t>удобства, так как часто контроллеры применяются именно для реализации </a:t>
+              <a:t>Для удобства, так как часто контроллеры применяются именно для реализации </a:t>
             </a:r>
             <a:r>
               <a:rPr lang="en-US" sz="2400" kern="0" dirty="0" smtClean="0"/>
@@ -29754,7 +29835,7 @@
         <p:spPr>
           <a:xfrm>
             <a:off x="93812" y="699542"/>
-            <a:ext cx="8928992" cy="1569660"/>
+            <a:ext cx="8928992" cy="2251065"/>
           </a:xfrm>
           <a:prstGeom prst="rect">
             <a:avLst/>
@@ -29767,6 +29848,9 @@
           <a:lstStyle/>
           <a:p>
             <a:pPr marL="0" lvl="8" algn="just">
+              <a:lnSpc>
+                <a:spcPct val="150000"/>
+              </a:lnSpc>
               <a:buClr>
                 <a:schemeClr val="accent3">
                   <a:lumMod val="50000"/>
@@ -29784,6 +29868,9 @@
           </a:p>
           <a:p>
             <a:pPr marL="0" lvl="8" algn="just">
+              <a:lnSpc>
+                <a:spcPct val="150000"/>
+              </a:lnSpc>
               <a:buClr>
                 <a:schemeClr val="accent3">
                   <a:lumMod val="50000"/>
@@ -29794,6 +29881,9 @@
           </a:p>
           <a:p>
             <a:pPr marL="0" lvl="8" algn="just">
+              <a:lnSpc>
+                <a:spcPct val="150000"/>
+              </a:lnSpc>
               <a:buClr>
                 <a:schemeClr val="accent3">
                   <a:lumMod val="50000"/>
